--- a/output/notWellKnown/Came-to-my-Rescue.pptx
+++ b/output/notWellKnown/Came-to-my-Rescue.pptx
@@ -739,7 +739,7 @@
           <a:lstStyle/>
           <a:p>
             <a:r>
-              <a:t>(Repeat Verse 2 &amp; Chorus)</a:t>
+              <a:t>Bridge</a:t>
             </a:r>
             <a:br/>
             <a:r>
@@ -3788,7 +3788,7 @@
             </a:r>
             <a:br/>
             <a:r>
-              <a:t>Lord all I am is Yours  </a:t>
+              <a:t>Lord all I am is Yours</a:t>
             </a:r>
             <a:br/>
           </a:p>
@@ -3887,7 +3887,7 @@
             </a:r>
             <a:br/>
             <a:r>
-              <a:t>In Your presence at Your throne  </a:t>
+              <a:t>In Your presence at Your throne</a:t>
             </a:r>
             <a:br/>
           </a:p>
@@ -3978,7 +3978,7 @@
               <a:defRPr sz="2500"/>
             </a:pPr>
             <a:r>
-              <a:t>I called, You answered  </a:t>
+              <a:t>I called, You answered</a:t>
             </a:r>
             <a:br/>
             <a:r>
@@ -4073,24 +4073,19 @@
           <a:lstStyle/>
           <a:p/>
           <a:p>
-            <a:br/>
             <a:pPr>
               <a:defRPr sz="2500"/>
             </a:pPr>
             <a:r>
-              <a:t>Bridge</a:t>
+              <a:t>In my life be lifted high</a:t>
             </a:r>
             <a:br/>
             <a:r>
-              <a:t>In my life be lifted high</a:t>
+              <a:t>In our world be lifted high</a:t>
             </a:r>
             <a:br/>
             <a:r>
-              <a:t>In our world be lifted high</a:t>
-            </a:r>
-            <a:br/>
-            <a:r>
-              <a:t>In our love be lifted high  </a:t>
+              <a:t>In our love be lifted high</a:t>
             </a:r>
             <a:br/>
             <a:r>
@@ -4127,7 +4122,7 @@
               <a:defRPr sz="1200"/>
             </a:pPr>
             <a:r>
-              <a:t>(Repeat Verse 2 &amp; Chorus)</a:t>
+              <a:t>Bridge</a:t>
             </a:r>
             <a:br/>
             <a:r>
